--- a/Healthify.pptx
+++ b/Healthify.pptx
@@ -1199,7 +1199,7 @@
           <a:bodyPr/>
           <a:lstStyle/>
           <a:p>
-            <a:fld id="{3A1EF30B-C248-4506-8212-5FE56D3ED25B}" type="datetime1">
+            <a:fld id="{4F652FBA-6AC4-4EF9-8B05-F12AB7AD4B9A}" type="datetime1">
               <a:rPr lang="en-US" smtClean="0"/>
               <a:t>9/6/2020</a:t>
             </a:fld>
@@ -1224,7 +1224,7 @@
           <a:p>
             <a:r>
               <a:rPr lang="en-US"/>
-              <a:t>Healthify-NWMSU</a:t>
+              <a:t>HEALTHIFY</a:t>
             </a:r>
           </a:p>
         </p:txBody>
@@ -1453,7 +1453,7 @@
           <a:bodyPr/>
           <a:lstStyle/>
           <a:p>
-            <a:fld id="{24C87863-0F40-4B7E-95E9-700E3F69D13C}" type="datetime1">
+            <a:fld id="{D8D38126-4BC0-42DB-BDCA-6F965BADDF2B}" type="datetime1">
               <a:rPr lang="en-US" smtClean="0"/>
               <a:t>9/6/2020</a:t>
             </a:fld>
@@ -1478,7 +1478,7 @@
           <a:p>
             <a:r>
               <a:rPr lang="en-US"/>
-              <a:t>Healthify-NWMSU</a:t>
+              <a:t>HEALTHIFY</a:t>
             </a:r>
           </a:p>
         </p:txBody>
@@ -1770,7 +1770,7 @@
           <a:bodyPr/>
           <a:lstStyle/>
           <a:p>
-            <a:fld id="{DE8BFFC1-4678-443B-9BC8-EA5145155977}" type="datetime1">
+            <a:fld id="{B5A393BB-FC74-4159-AF79-76954A0C9FD5}" type="datetime1">
               <a:rPr lang="en-US" smtClean="0"/>
               <a:t>9/6/2020</a:t>
             </a:fld>
@@ -1795,7 +1795,7 @@
           <a:p>
             <a:r>
               <a:rPr lang="en-US"/>
-              <a:t>Healthify-NWMSU</a:t>
+              <a:t>HEALTHIFY</a:t>
             </a:r>
           </a:p>
         </p:txBody>
@@ -2114,7 +2114,7 @@
           <a:bodyPr/>
           <a:lstStyle/>
           <a:p>
-            <a:fld id="{8A0CA5B6-8176-4083-84C8-8931C71F8050}" type="datetime1">
+            <a:fld id="{3AC6EC31-3D4C-4186-9776-B6A176B64849}" type="datetime1">
               <a:rPr lang="en-US" smtClean="0"/>
               <a:t>9/6/2020</a:t>
             </a:fld>
@@ -2139,7 +2139,7 @@
           <a:p>
             <a:r>
               <a:rPr lang="en-US"/>
-              <a:t>Healthify-NWMSU</a:t>
+              <a:t>HEALTHIFY</a:t>
             </a:r>
           </a:p>
         </p:txBody>
@@ -2431,7 +2431,7 @@
           <a:bodyPr/>
           <a:lstStyle/>
           <a:p>
-            <a:fld id="{A2FBAB3E-A674-40AA-ACA8-5A81BD2531B0}" type="datetime1">
+            <a:fld id="{3A0605C5-D32D-4DAF-AE77-60DA263ED08C}" type="datetime1">
               <a:rPr lang="en-US" smtClean="0"/>
               <a:t>9/6/2020</a:t>
             </a:fld>
@@ -2456,7 +2456,7 @@
           <a:p>
             <a:r>
               <a:rPr lang="en-US"/>
-              <a:t>Healthify-NWMSU</a:t>
+              <a:t>HEALTHIFY</a:t>
             </a:r>
           </a:p>
         </p:txBody>
@@ -2827,7 +2827,7 @@
           <a:bodyPr/>
           <a:lstStyle/>
           <a:p>
-            <a:fld id="{C79B4036-9250-4240-A883-6BEC39EC1BCD}" type="datetime1">
+            <a:fld id="{991C7266-72AB-4887-ABE6-F06C952B7C35}" type="datetime1">
               <a:rPr lang="en-US" smtClean="0"/>
               <a:t>9/6/2020</a:t>
             </a:fld>
@@ -2852,7 +2852,7 @@
           <a:p>
             <a:r>
               <a:rPr lang="en-US"/>
-              <a:t>Healthify-NWMSU</a:t>
+              <a:t>HEALTHIFY</a:t>
             </a:r>
           </a:p>
         </p:txBody>
@@ -3000,7 +3000,7 @@
           <a:bodyPr/>
           <a:lstStyle/>
           <a:p>
-            <a:fld id="{7A86C77A-FDED-4854-865C-8E65A2279A47}" type="datetime1">
+            <a:fld id="{92F30145-CD41-461F-9475-5D3675A7584A}" type="datetime1">
               <a:rPr lang="en-US" smtClean="0"/>
               <a:t>9/6/2020</a:t>
             </a:fld>
@@ -3025,7 +3025,7 @@
           <a:p>
             <a:r>
               <a:rPr lang="en-US"/>
-              <a:t>Healthify-NWMSU</a:t>
+              <a:t>HEALTHIFY</a:t>
             </a:r>
           </a:p>
         </p:txBody>
@@ -3183,7 +3183,7 @@
           <a:bodyPr/>
           <a:lstStyle/>
           <a:p>
-            <a:fld id="{964AA931-C8E9-46DE-A388-74BE7193A5EE}" type="datetime1">
+            <a:fld id="{D7CEEEE6-A125-4C33-B890-7EAB7EA4B5B5}" type="datetime1">
               <a:rPr lang="en-US" smtClean="0"/>
               <a:t>9/6/2020</a:t>
             </a:fld>
@@ -3208,7 +3208,7 @@
           <a:p>
             <a:r>
               <a:rPr lang="en-US"/>
-              <a:t>Healthify-NWMSU</a:t>
+              <a:t>HEALTHIFY</a:t>
             </a:r>
           </a:p>
         </p:txBody>
@@ -3362,7 +3362,7 @@
           <a:bodyPr/>
           <a:lstStyle/>
           <a:p>
-            <a:fld id="{21923828-AD49-48C6-B843-96BE5F4C14D3}" type="datetime1">
+            <a:fld id="{22E7ADD3-A4CA-460A-B5FB-DFC04BD78E03}" type="datetime1">
               <a:rPr lang="en-US" smtClean="0"/>
               <a:t>9/6/2020</a:t>
             </a:fld>
@@ -3387,7 +3387,7 @@
           <a:p>
             <a:r>
               <a:rPr lang="en-US"/>
-              <a:t>Healthify-NWMSU</a:t>
+              <a:t>HEALTHIFY</a:t>
             </a:r>
           </a:p>
         </p:txBody>
@@ -3612,7 +3612,7 @@
           <a:bodyPr/>
           <a:lstStyle/>
           <a:p>
-            <a:fld id="{9536738A-7D94-4E21-A39C-E69D6CC68B05}" type="datetime1">
+            <a:fld id="{34BE68FE-24A3-4A16-8AFE-7902609B7449}" type="datetime1">
               <a:rPr lang="en-US" smtClean="0"/>
               <a:t>9/6/2020</a:t>
             </a:fld>
@@ -3637,7 +3637,7 @@
           <a:p>
             <a:r>
               <a:rPr lang="en-US"/>
-              <a:t>Healthify-NWMSU</a:t>
+              <a:t>HEALTHIFY</a:t>
             </a:r>
           </a:p>
         </p:txBody>
@@ -3847,7 +3847,7 @@
           <a:bodyPr/>
           <a:lstStyle/>
           <a:p>
-            <a:fld id="{0EBC7817-DC40-4CCD-A2EB-F63BD3A3F3CE}" type="datetime1">
+            <a:fld id="{49C367BA-15BE-4770-8164-0A3D762382AF}" type="datetime1">
               <a:rPr lang="en-US" smtClean="0"/>
               <a:t>9/6/2020</a:t>
             </a:fld>
@@ -3872,7 +3872,7 @@
           <a:p>
             <a:r>
               <a:rPr lang="en-US"/>
-              <a:t>Healthify-NWMSU</a:t>
+              <a:t>HEALTHIFY</a:t>
             </a:r>
           </a:p>
         </p:txBody>
@@ -4224,7 +4224,7 @@
           <a:bodyPr/>
           <a:lstStyle/>
           <a:p>
-            <a:fld id="{35538925-F7DC-4CF2-91AA-89BFD364F1F1}" type="datetime1">
+            <a:fld id="{420575DF-6AA8-46F8-9F48-6DC7398C6208}" type="datetime1">
               <a:rPr lang="en-US" smtClean="0"/>
               <a:t>9/6/2020</a:t>
             </a:fld>
@@ -4249,7 +4249,7 @@
           <a:p>
             <a:r>
               <a:rPr lang="en-US"/>
-              <a:t>Healthify-NWMSU</a:t>
+              <a:t>HEALTHIFY</a:t>
             </a:r>
           </a:p>
         </p:txBody>
@@ -4350,7 +4350,7 @@
           <a:bodyPr/>
           <a:lstStyle/>
           <a:p>
-            <a:fld id="{D8CD788C-F0C9-40F9-A88D-99199032970B}" type="datetime1">
+            <a:fld id="{FA844CB8-69DC-4D29-AC4E-D0691A3A7475}" type="datetime1">
               <a:rPr lang="en-US" smtClean="0"/>
               <a:t>9/6/2020</a:t>
             </a:fld>
@@ -4375,7 +4375,7 @@
           <a:p>
             <a:r>
               <a:rPr lang="en-US"/>
-              <a:t>Healthify-NWMSU</a:t>
+              <a:t>HEALTHIFY</a:t>
             </a:r>
           </a:p>
         </p:txBody>
@@ -4448,7 +4448,7 @@
           <a:bodyPr/>
           <a:lstStyle/>
           <a:p>
-            <a:fld id="{5C1EAB9D-6352-42F3-9DBA-06E972EA61C1}" type="datetime1">
+            <a:fld id="{3193B64B-DFCD-4C85-A6A1-BEDEB14A5648}" type="datetime1">
               <a:rPr lang="en-US" smtClean="0"/>
               <a:t>9/6/2020</a:t>
             </a:fld>
@@ -4473,7 +4473,7 @@
           <a:p>
             <a:r>
               <a:rPr lang="en-US"/>
-              <a:t>Healthify-NWMSU</a:t>
+              <a:t>HEALTHIFY</a:t>
             </a:r>
           </a:p>
         </p:txBody>
@@ -4706,7 +4706,7 @@
           <a:bodyPr/>
           <a:lstStyle/>
           <a:p>
-            <a:fld id="{6D4E1003-15BB-47AF-924E-10BEE17CFCE2}" type="datetime1">
+            <a:fld id="{FC195180-1786-4E9E-933F-F480601FEED6}" type="datetime1">
               <a:rPr lang="en-US" smtClean="0"/>
               <a:t>9/6/2020</a:t>
             </a:fld>
@@ -4731,7 +4731,7 @@
           <a:p>
             <a:r>
               <a:rPr lang="en-US"/>
-              <a:t>Healthify-NWMSU</a:t>
+              <a:t>HEALTHIFY</a:t>
             </a:r>
           </a:p>
         </p:txBody>
@@ -4972,7 +4972,7 @@
           <a:bodyPr/>
           <a:lstStyle/>
           <a:p>
-            <a:fld id="{8A9ED48A-44BE-445C-8197-6155F7FAFDFD}" type="datetime1">
+            <a:fld id="{F7327981-0670-49B8-96F7-49C72095D7E7}" type="datetime1">
               <a:rPr lang="en-US" smtClean="0"/>
               <a:t>9/6/2020</a:t>
             </a:fld>
@@ -4997,7 +4997,7 @@
           <a:p>
             <a:r>
               <a:rPr lang="en-US"/>
-              <a:t>Healthify-NWMSU</a:t>
+              <a:t>HEALTHIFY</a:t>
             </a:r>
           </a:p>
         </p:txBody>
@@ -5718,7 +5718,7 @@
             </a:lvl1pPr>
           </a:lstStyle>
           <a:p>
-            <a:fld id="{87E7C5B2-8431-42CE-902A-E317D84B6C47}" type="datetime1">
+            <a:fld id="{3248BC57-5731-43E5-98D1-AC28BA3B3833}" type="datetime1">
               <a:rPr lang="en-US" smtClean="0"/>
               <a:t>9/6/2020</a:t>
             </a:fld>
@@ -5761,7 +5761,7 @@
           <a:p>
             <a:r>
               <a:rPr lang="en-US"/>
-              <a:t>Healthify-NWMSU</a:t>
+              <a:t>HEALTHIFY</a:t>
             </a:r>
           </a:p>
         </p:txBody>
@@ -6296,7 +6296,7 @@
         <p:spPr>
           <a:xfrm>
             <a:off x="4286242" y="2916902"/>
-            <a:ext cx="3619515" cy="861420"/>
+            <a:ext cx="3619515" cy="1643066"/>
           </a:xfrm>
         </p:spPr>
         <p:txBody>
@@ -6305,12 +6305,20 @@
           </a:bodyPr>
           <a:lstStyle/>
           <a:p>
+            <a:pPr algn="ctr"/>
+            <a:r>
+              <a:rPr lang="en-US" dirty="0" err="1">
+                <a:latin typeface="Times New Roman" panose="02020603050405020304" pitchFamily="18" charset="0"/>
+                <a:cs typeface="Times New Roman" panose="02020603050405020304" pitchFamily="18" charset="0"/>
+              </a:rPr>
+              <a:t>HEALTHIFYGroup</a:t>
+            </a:r>
             <a:r>
               <a:rPr lang="en-US" dirty="0">
                 <a:latin typeface="Times New Roman" panose="02020603050405020304" pitchFamily="18" charset="0"/>
                 <a:cs typeface="Times New Roman" panose="02020603050405020304" pitchFamily="18" charset="0"/>
               </a:rPr>
-              <a:t>HEALTHIFY</a:t>
+              <a:t> – 01  </a:t>
             </a:r>
           </a:p>
         </p:txBody>
@@ -6337,8 +6345,8 @@
           <a:lstStyle/>
           <a:p>
             <a:r>
-              <a:rPr lang="en-US"/>
-              <a:t>Healthify-NWMSU</a:t>
+              <a:rPr lang="en-US" dirty="0"/>
+              <a:t>HEALTHIFY</a:t>
             </a:r>
           </a:p>
         </p:txBody>
@@ -6537,7 +6545,7 @@
           <a:p>
             <a:r>
               <a:rPr lang="en-US"/>
-              <a:t>Healthify-NWMSU</a:t>
+              <a:t>HEALTHIFY</a:t>
             </a:r>
           </a:p>
         </p:txBody>
@@ -6700,7 +6708,7 @@
           <a:p>
             <a:r>
               <a:rPr lang="en-US"/>
-              <a:t>Healthify-NWMSU</a:t>
+              <a:t>HEALTHIFY</a:t>
             </a:r>
           </a:p>
         </p:txBody>
@@ -6863,7 +6871,7 @@
           <a:p>
             <a:r>
               <a:rPr lang="en-US"/>
-              <a:t>Healthify-NWMSU</a:t>
+              <a:t>HEALTHIFY</a:t>
             </a:r>
           </a:p>
         </p:txBody>
@@ -7162,7 +7170,7 @@
           <a:p>
             <a:r>
               <a:rPr lang="en-US"/>
-              <a:t>Healthify-NWMSU</a:t>
+              <a:t>HEALTHIFY</a:t>
             </a:r>
           </a:p>
         </p:txBody>
@@ -7395,7 +7403,7 @@
           <a:p>
             <a:r>
               <a:rPr lang="en-US"/>
-              <a:t>Healthify-NWMSU</a:t>
+              <a:t>HEALTHIFY</a:t>
             </a:r>
           </a:p>
         </p:txBody>
@@ -7532,7 +7540,7 @@
           <a:p>
             <a:r>
               <a:rPr lang="en-US"/>
-              <a:t>Healthify-NWMSU</a:t>
+              <a:t>HEALTHIFY</a:t>
             </a:r>
           </a:p>
         </p:txBody>
@@ -7732,7 +7740,7 @@
                 <a:ea typeface="+mn-ea"/>
                 <a:cs typeface="+mn-cs"/>
               </a:rPr>
-              <a:t>Healthify-NWMSU</a:t>
+              <a:t>HEALTHIFY</a:t>
             </a:r>
           </a:p>
         </p:txBody>
@@ -8354,7 +8362,7 @@
           <a:p>
             <a:r>
               <a:rPr lang="en-US"/>
-              <a:t>Healthify-NWMSU</a:t>
+              <a:t>HEALTHIFY</a:t>
             </a:r>
           </a:p>
         </p:txBody>
@@ -8613,7 +8621,7 @@
           <a:p>
             <a:r>
               <a:rPr lang="en-US"/>
-              <a:t>Healthify-NWMSU</a:t>
+              <a:t>HEALTHIFY</a:t>
             </a:r>
           </a:p>
         </p:txBody>
@@ -8961,7 +8969,7 @@
           <a:p>
             <a:r>
               <a:rPr lang="en-US"/>
-              <a:t>Healthify-NWMSU</a:t>
+              <a:t>HEALTHIFY</a:t>
             </a:r>
           </a:p>
         </p:txBody>
@@ -9183,7 +9191,7 @@
           <a:p>
             <a:r>
               <a:rPr lang="en-US"/>
-              <a:t>Healthify-NWMSU</a:t>
+              <a:t>HEALTHIFY</a:t>
             </a:r>
           </a:p>
         </p:txBody>
@@ -9430,7 +9438,7 @@
           <a:p>
             <a:r>
               <a:rPr lang="en-US"/>
-              <a:t>Healthify-NWMSU</a:t>
+              <a:t>HEALTHIFY</a:t>
             </a:r>
           </a:p>
         </p:txBody>
@@ -9869,7 +9877,7 @@
           <a:p>
             <a:r>
               <a:rPr lang="en-US"/>
-              <a:t>Healthify-NWMSU</a:t>
+              <a:t>HEALTHIFY</a:t>
             </a:r>
           </a:p>
         </p:txBody>
@@ -10032,7 +10040,7 @@
           <a:p>
             <a:r>
               <a:rPr lang="en-US"/>
-              <a:t>Healthify-NWMSU</a:t>
+              <a:t>HEALTHIFY</a:t>
             </a:r>
           </a:p>
         </p:txBody>
@@ -10202,7 +10210,7 @@
           <a:p>
             <a:r>
               <a:rPr lang="en-US"/>
-              <a:t>Healthify-NWMSU</a:t>
+              <a:t>HEALTHIFY</a:t>
             </a:r>
           </a:p>
         </p:txBody>
